--- a/DECODE 25-26/enjineering noot boc/d2526en (1).pptx
+++ b/DECODE 25-26/enjineering noot boc/d2526en (1).pptx
@@ -6,6 +6,7 @@
   </p:sldMasterIdLst>
   <p:sldIdLst>
     <p:sldId id="256" r:id="rId2"/>
+    <p:sldId id="257" r:id="rId3"/>
   </p:sldIdLst>
   <p:sldSz cx="12192000" cy="6858000"/>
   <p:notesSz cx="6858000" cy="9144000"/>
@@ -261,7 +262,7 @@
           <a:p>
             <a:fld id="{CF40E8B5-3F65-4593-AF3B-73255D056693}" type="datetimeFigureOut">
               <a:rPr lang="en-GB" smtClean="0"/>
-              <a:t>06/01/2026</a:t>
+              <a:t>28/01/2026</a:t>
             </a:fld>
             <a:endParaRPr lang="en-GB"/>
           </a:p>
@@ -461,7 +462,7 @@
           <a:p>
             <a:fld id="{CF40E8B5-3F65-4593-AF3B-73255D056693}" type="datetimeFigureOut">
               <a:rPr lang="en-GB" smtClean="0"/>
-              <a:t>06/01/2026</a:t>
+              <a:t>28/01/2026</a:t>
             </a:fld>
             <a:endParaRPr lang="en-GB"/>
           </a:p>
@@ -671,7 +672,7 @@
           <a:p>
             <a:fld id="{CF40E8B5-3F65-4593-AF3B-73255D056693}" type="datetimeFigureOut">
               <a:rPr lang="en-GB" smtClean="0"/>
-              <a:t>06/01/2026</a:t>
+              <a:t>28/01/2026</a:t>
             </a:fld>
             <a:endParaRPr lang="en-GB"/>
           </a:p>
@@ -871,7 +872,7 @@
           <a:p>
             <a:fld id="{CF40E8B5-3F65-4593-AF3B-73255D056693}" type="datetimeFigureOut">
               <a:rPr lang="en-GB" smtClean="0"/>
-              <a:t>06/01/2026</a:t>
+              <a:t>28/01/2026</a:t>
             </a:fld>
             <a:endParaRPr lang="en-GB"/>
           </a:p>
@@ -1147,7 +1148,7 @@
           <a:p>
             <a:fld id="{CF40E8B5-3F65-4593-AF3B-73255D056693}" type="datetimeFigureOut">
               <a:rPr lang="en-GB" smtClean="0"/>
-              <a:t>06/01/2026</a:t>
+              <a:t>28/01/2026</a:t>
             </a:fld>
             <a:endParaRPr lang="en-GB"/>
           </a:p>
@@ -1415,7 +1416,7 @@
           <a:p>
             <a:fld id="{CF40E8B5-3F65-4593-AF3B-73255D056693}" type="datetimeFigureOut">
               <a:rPr lang="en-GB" smtClean="0"/>
-              <a:t>06/01/2026</a:t>
+              <a:t>28/01/2026</a:t>
             </a:fld>
             <a:endParaRPr lang="en-GB"/>
           </a:p>
@@ -1830,7 +1831,7 @@
           <a:p>
             <a:fld id="{CF40E8B5-3F65-4593-AF3B-73255D056693}" type="datetimeFigureOut">
               <a:rPr lang="en-GB" smtClean="0"/>
-              <a:t>06/01/2026</a:t>
+              <a:t>28/01/2026</a:t>
             </a:fld>
             <a:endParaRPr lang="en-GB"/>
           </a:p>
@@ -1972,7 +1973,7 @@
           <a:p>
             <a:fld id="{CF40E8B5-3F65-4593-AF3B-73255D056693}" type="datetimeFigureOut">
               <a:rPr lang="en-GB" smtClean="0"/>
-              <a:t>06/01/2026</a:t>
+              <a:t>28/01/2026</a:t>
             </a:fld>
             <a:endParaRPr lang="en-GB"/>
           </a:p>
@@ -2085,7 +2086,7 @@
           <a:p>
             <a:fld id="{CF40E8B5-3F65-4593-AF3B-73255D056693}" type="datetimeFigureOut">
               <a:rPr lang="en-GB" smtClean="0"/>
-              <a:t>06/01/2026</a:t>
+              <a:t>28/01/2026</a:t>
             </a:fld>
             <a:endParaRPr lang="en-GB"/>
           </a:p>
@@ -2398,7 +2399,7 @@
           <a:p>
             <a:fld id="{CF40E8B5-3F65-4593-AF3B-73255D056693}" type="datetimeFigureOut">
               <a:rPr lang="en-GB" smtClean="0"/>
-              <a:t>06/01/2026</a:t>
+              <a:t>28/01/2026</a:t>
             </a:fld>
             <a:endParaRPr lang="en-GB"/>
           </a:p>
@@ -2687,7 +2688,7 @@
           <a:p>
             <a:fld id="{CF40E8B5-3F65-4593-AF3B-73255D056693}" type="datetimeFigureOut">
               <a:rPr lang="en-GB" smtClean="0"/>
-              <a:t>06/01/2026</a:t>
+              <a:t>28/01/2026</a:t>
             </a:fld>
             <a:endParaRPr lang="en-GB"/>
           </a:p>
@@ -2930,7 +2931,7 @@
           <a:p>
             <a:fld id="{CF40E8B5-3F65-4593-AF3B-73255D056693}" type="datetimeFigureOut">
               <a:rPr lang="en-GB" smtClean="0"/>
-              <a:t>06/01/2026</a:t>
+              <a:t>28/01/2026</a:t>
             </a:fld>
             <a:endParaRPr lang="en-GB"/>
           </a:p>
@@ -3371,7 +3372,13 @@
           <a:lstStyle/>
           <a:p>
             <a:r>
-              <a:rPr lang="en-GB" sz="4000" dirty="0"/>
+              <a:rPr lang="en-GB" sz="4000" dirty="0">
+                <a:solidFill>
+                  <a:schemeClr val="tx2">
+                    <a:lumMod val="75000"/>
+                  </a:schemeClr>
+                </a:solidFill>
+              </a:rPr>
               <a:t>HHS 2025-2026 Robotics Season DECODE</a:t>
             </a:r>
           </a:p>
@@ -3401,24 +3408,361 @@
           <a:lstStyle/>
           <a:p>
             <a:r>
-              <a:rPr lang="en-GB" dirty="0"/>
+              <a:rPr lang="en-GB" dirty="0">
+                <a:solidFill>
+                  <a:schemeClr val="accent1">
+                    <a:lumMod val="75000"/>
+                  </a:schemeClr>
+                </a:solidFill>
+              </a:rPr>
               <a:t>By Emma Taylor, Flynn </a:t>
             </a:r>
             <a:r>
-              <a:rPr lang="en-GB" dirty="0" err="1"/>
+              <a:rPr lang="en-GB" dirty="0" err="1">
+                <a:solidFill>
+                  <a:schemeClr val="accent1">
+                    <a:lumMod val="75000"/>
+                  </a:schemeClr>
+                </a:solidFill>
+              </a:rPr>
               <a:t>Lambley</a:t>
             </a:r>
             <a:r>
-              <a:rPr lang="en-GB" dirty="0"/>
+              <a:rPr lang="en-GB" dirty="0">
+                <a:solidFill>
+                  <a:schemeClr val="accent1">
+                    <a:lumMod val="75000"/>
+                  </a:schemeClr>
+                </a:solidFill>
+              </a:rPr>
               <a:t>, Elijah Sutton, Miles Clark </a:t>
             </a:r>
           </a:p>
         </p:txBody>
       </p:sp>
+      <p:pic>
+        <p:nvPicPr>
+          <p:cNvPr id="1026" name="Picture 2" descr="FIRST Tech Challenge - YouTube">
+            <a:extLst>
+              <a:ext uri="{FF2B5EF4-FFF2-40B4-BE49-F238E27FC236}">
+                <a16:creationId xmlns:a16="http://schemas.microsoft.com/office/drawing/2014/main" id="{5F313868-89A3-E250-3A3F-2C182F427918}"/>
+              </a:ext>
+            </a:extLst>
+          </p:cNvPr>
+          <p:cNvPicPr>
+            <a:picLocks noChangeAspect="1" noChangeArrowheads="1"/>
+          </p:cNvPicPr>
+          <p:nvPr/>
+        </p:nvPicPr>
+        <p:blipFill>
+          <a:blip r:embed="rId2">
+            <a:extLst>
+              <a:ext uri="{28A0092B-C50C-407E-A947-70E740481C1C}">
+                <a14:useLocalDpi xmlns:a14="http://schemas.microsoft.com/office/drawing/2010/main" val="0"/>
+              </a:ext>
+            </a:extLst>
+          </a:blip>
+          <a:srcRect/>
+          <a:stretch>
+            <a:fillRect/>
+          </a:stretch>
+        </p:blipFill>
+        <p:spPr bwMode="auto">
+          <a:xfrm>
+            <a:off x="0" y="0"/>
+            <a:ext cx="2143125" cy="2143125"/>
+          </a:xfrm>
+          <a:prstGeom prst="rect">
+            <a:avLst/>
+          </a:prstGeom>
+          <a:noFill/>
+          <a:extLst>
+            <a:ext uri="{909E8E84-426E-40DD-AFC4-6F175D3DCCD1}">
+              <a14:hiddenFill xmlns:a14="http://schemas.microsoft.com/office/drawing/2010/main">
+                <a:solidFill>
+                  <a:srgbClr val="FFFFFF"/>
+                </a:solidFill>
+              </a14:hiddenFill>
+            </a:ext>
+          </a:extLst>
+        </p:spPr>
+      </p:pic>
+      <p:sp>
+        <p:nvSpPr>
+          <p:cNvPr id="4" name="TextBox 3">
+            <a:extLst>
+              <a:ext uri="{FF2B5EF4-FFF2-40B4-BE49-F238E27FC236}">
+                <a16:creationId xmlns:a16="http://schemas.microsoft.com/office/drawing/2014/main" id="{F31B1940-250C-00DD-3DB6-5138FF9C8F35}"/>
+              </a:ext>
+            </a:extLst>
+          </p:cNvPr>
+          <p:cNvSpPr txBox="1"/>
+          <p:nvPr/>
+        </p:nvSpPr>
+        <p:spPr>
+          <a:xfrm>
+            <a:off x="8396378" y="5833972"/>
+            <a:ext cx="3666226" cy="923330"/>
+          </a:xfrm>
+          <a:prstGeom prst="rect">
+            <a:avLst/>
+          </a:prstGeom>
+          <a:noFill/>
+        </p:spPr>
+        <p:txBody>
+          <a:bodyPr wrap="square" rtlCol="0">
+            <a:spAutoFit/>
+          </a:bodyPr>
+          <a:lstStyle/>
+          <a:p>
+            <a:r>
+              <a:rPr lang="en-GB" sz="5400" b="1" dirty="0">
+                <a:solidFill>
+                  <a:schemeClr val="accent2">
+                    <a:lumMod val="60000"/>
+                    <a:lumOff val="40000"/>
+                  </a:schemeClr>
+                </a:solidFill>
+              </a:rPr>
+              <a:t>Team</a:t>
+            </a:r>
+            <a:r>
+              <a:rPr lang="en-GB" sz="5400" b="1" dirty="0"/>
+              <a:t> </a:t>
+            </a:r>
+            <a:r>
+              <a:rPr lang="en-GB" sz="5400" b="1" dirty="0">
+                <a:solidFill>
+                  <a:schemeClr val="accent2">
+                    <a:lumMod val="75000"/>
+                  </a:schemeClr>
+                </a:solidFill>
+              </a:rPr>
+              <a:t>21126</a:t>
+            </a:r>
+          </a:p>
+        </p:txBody>
+      </p:sp>
+      <p:pic>
+        <p:nvPicPr>
+          <p:cNvPr id="1028" name="Picture 4" descr="2025-2026 DECODE">
+            <a:extLst>
+              <a:ext uri="{FF2B5EF4-FFF2-40B4-BE49-F238E27FC236}">
+                <a16:creationId xmlns:a16="http://schemas.microsoft.com/office/drawing/2014/main" id="{ECEE3BC6-2D3F-0381-3BA6-4B25573E483D}"/>
+              </a:ext>
+            </a:extLst>
+          </p:cNvPr>
+          <p:cNvPicPr>
+            <a:picLocks noChangeAspect="1" noChangeArrowheads="1"/>
+          </p:cNvPicPr>
+          <p:nvPr/>
+        </p:nvPicPr>
+        <p:blipFill>
+          <a:blip r:embed="rId3">
+            <a:extLst>
+              <a:ext uri="{28A0092B-C50C-407E-A947-70E740481C1C}">
+                <a14:useLocalDpi xmlns:a14="http://schemas.microsoft.com/office/drawing/2010/main" val="0"/>
+              </a:ext>
+            </a:extLst>
+          </a:blip>
+          <a:srcRect/>
+          <a:stretch>
+            <a:fillRect/>
+          </a:stretch>
+        </p:blipFill>
+        <p:spPr bwMode="auto">
+          <a:xfrm>
+            <a:off x="10300479" y="100698"/>
+            <a:ext cx="1762125" cy="2590800"/>
+          </a:xfrm>
+          <a:prstGeom prst="rect">
+            <a:avLst/>
+          </a:prstGeom>
+          <a:noFill/>
+          <a:extLst>
+            <a:ext uri="{909E8E84-426E-40DD-AFC4-6F175D3DCCD1}">
+              <a14:hiddenFill xmlns:a14="http://schemas.microsoft.com/office/drawing/2010/main">
+                <a:solidFill>
+                  <a:srgbClr val="FFFFFF"/>
+                </a:solidFill>
+              </a14:hiddenFill>
+            </a:ext>
+          </a:extLst>
+        </p:spPr>
+      </p:pic>
+      <p:pic>
+        <p:nvPicPr>
+          <p:cNvPr id="1030" name="Picture 6" descr="Java custom software development">
+            <a:extLst>
+              <a:ext uri="{FF2B5EF4-FFF2-40B4-BE49-F238E27FC236}">
+                <a16:creationId xmlns:a16="http://schemas.microsoft.com/office/drawing/2014/main" id="{0CF5A408-FDDE-1BC8-2288-95F504A6C149}"/>
+              </a:ext>
+            </a:extLst>
+          </p:cNvPr>
+          <p:cNvPicPr>
+            <a:picLocks noChangeAspect="1" noChangeArrowheads="1"/>
+          </p:cNvPicPr>
+          <p:nvPr/>
+        </p:nvPicPr>
+        <p:blipFill>
+          <a:blip r:embed="rId4">
+            <a:extLst>
+              <a:ext uri="{28A0092B-C50C-407E-A947-70E740481C1C}">
+                <a14:useLocalDpi xmlns:a14="http://schemas.microsoft.com/office/drawing/2010/main" val="0"/>
+              </a:ext>
+            </a:extLst>
+          </a:blip>
+          <a:srcRect/>
+          <a:stretch>
+            <a:fillRect/>
+          </a:stretch>
+        </p:blipFill>
+        <p:spPr bwMode="auto">
+          <a:xfrm>
+            <a:off x="171450" y="4892674"/>
+            <a:ext cx="2705100" cy="1685925"/>
+          </a:xfrm>
+          <a:prstGeom prst="rect">
+            <a:avLst/>
+          </a:prstGeom>
+          <a:noFill/>
+          <a:extLst>
+            <a:ext uri="{909E8E84-426E-40DD-AFC4-6F175D3DCCD1}">
+              <a14:hiddenFill xmlns:a14="http://schemas.microsoft.com/office/drawing/2010/main">
+                <a:solidFill>
+                  <a:srgbClr val="FFFFFF"/>
+                </a:solidFill>
+              </a14:hiddenFill>
+            </a:ext>
+          </a:extLst>
+        </p:spPr>
+      </p:pic>
     </p:spTree>
     <p:extLst>
       <p:ext uri="{BB962C8B-B14F-4D97-AF65-F5344CB8AC3E}">
         <p14:creationId xmlns:p14="http://schemas.microsoft.com/office/powerpoint/2010/main" val="3193261121"/>
+      </p:ext>
+    </p:extLst>
+  </p:cSld>
+  <p:clrMapOvr>
+    <a:masterClrMapping/>
+  </p:clrMapOvr>
+</p:sld>
+</file>
+
+<file path=ppt/slides/slide2.xml><?xml version="1.0" encoding="utf-8"?>
+<p:sld xmlns:a="http://schemas.openxmlformats.org/drawingml/2006/main" xmlns:r="http://schemas.openxmlformats.org/officeDocument/2006/relationships" xmlns:p="http://schemas.openxmlformats.org/presentationml/2006/main">
+  <p:cSld>
+    <p:spTree>
+      <p:nvGrpSpPr>
+        <p:cNvPr id="1" name=""/>
+        <p:cNvGrpSpPr/>
+        <p:nvPr/>
+      </p:nvGrpSpPr>
+      <p:grpSpPr>
+        <a:xfrm>
+          <a:off x="0" y="0"/>
+          <a:ext cx="0" cy="0"/>
+          <a:chOff x="0" y="0"/>
+          <a:chExt cx="0" cy="0"/>
+        </a:xfrm>
+      </p:grpSpPr>
+      <p:sp>
+        <p:nvSpPr>
+          <p:cNvPr id="2" name="Title 1">
+            <a:extLst>
+              <a:ext uri="{FF2B5EF4-FFF2-40B4-BE49-F238E27FC236}">
+                <a16:creationId xmlns:a16="http://schemas.microsoft.com/office/drawing/2014/main" id="{45AB37AE-BDDF-AB4A-46DD-DB5962858EAB}"/>
+              </a:ext>
+            </a:extLst>
+          </p:cNvPr>
+          <p:cNvSpPr>
+            <a:spLocks noGrp="1"/>
+          </p:cNvSpPr>
+          <p:nvPr>
+            <p:ph type="title"/>
+          </p:nvPr>
+        </p:nvSpPr>
+        <p:spPr/>
+        <p:txBody>
+          <a:bodyPr/>
+          <a:lstStyle/>
+          <a:p>
+            <a:r>
+              <a:rPr lang="en-GB" dirty="0"/>
+              <a:t>Our Robot</a:t>
+            </a:r>
+          </a:p>
+        </p:txBody>
+      </p:sp>
+      <p:sp>
+        <p:nvSpPr>
+          <p:cNvPr id="3" name="Content Placeholder 2">
+            <a:extLst>
+              <a:ext uri="{FF2B5EF4-FFF2-40B4-BE49-F238E27FC236}">
+                <a16:creationId xmlns:a16="http://schemas.microsoft.com/office/drawing/2014/main" id="{BE9BD050-93A7-350D-3B4B-44F78A45E9E4}"/>
+              </a:ext>
+            </a:extLst>
+          </p:cNvPr>
+          <p:cNvSpPr>
+            <a:spLocks noGrp="1"/>
+          </p:cNvSpPr>
+          <p:nvPr>
+            <p:ph idx="1"/>
+          </p:nvPr>
+        </p:nvSpPr>
+        <p:spPr/>
+        <p:txBody>
+          <a:bodyPr/>
+          <a:lstStyle/>
+          <a:p>
+            <a:pPr marL="0" indent="0">
+              <a:buNone/>
+            </a:pPr>
+            <a:r>
+              <a:rPr lang="en-GB" dirty="0"/>
+              <a:t>Our robot uses omnidirectional wheels, which can sometimes be known as “</a:t>
+            </a:r>
+            <a:r>
+              <a:rPr lang="en-GB" dirty="0" err="1"/>
+              <a:t>mecanum</a:t>
+            </a:r>
+            <a:r>
+              <a:rPr lang="en-GB" dirty="0"/>
+              <a:t>”. With this, it allows our robot to move in many directions, enabling us to move in all degrees of motion.</a:t>
+            </a:r>
+          </a:p>
+          <a:p>
+            <a:pPr marL="0" indent="0">
+              <a:buNone/>
+            </a:pPr>
+            <a:endParaRPr lang="en-GB" dirty="0"/>
+          </a:p>
+          <a:p>
+            <a:pPr marL="0" indent="0">
+              <a:buNone/>
+            </a:pPr>
+            <a:r>
+              <a:rPr lang="en-GB" dirty="0"/>
+              <a:t>If you or any other team wants to have a look at the code (written in Java), the repository on GitHub is </a:t>
+            </a:r>
+            <a:r>
+              <a:rPr lang="en-GB" dirty="0">
+                <a:hlinkClick r:id="rId2"/>
+              </a:rPr>
+              <a:t>here</a:t>
+            </a:r>
+            <a:r>
+              <a:rPr lang="en-GB" dirty="0"/>
+              <a:t>.</a:t>
+            </a:r>
+          </a:p>
+        </p:txBody>
+      </p:sp>
+    </p:spTree>
+    <p:extLst>
+      <p:ext uri="{BB962C8B-B14F-4D97-AF65-F5344CB8AC3E}">
+        <p14:creationId xmlns:p14="http://schemas.microsoft.com/office/powerpoint/2010/main" val="2652666221"/>
       </p:ext>
     </p:extLst>
   </p:cSld>
